--- a/4차발표/2DGP 최종발표.pptx
+++ b/4차발표/2DGP 최종발표.pptx
@@ -130,7 +130,17 @@
   <c:chart>
     <c:autoTitleDeleted val="1"/>
     <c:plotArea>
-      <c:layout/>
+      <c:layout>
+        <c:manualLayout>
+          <c:layoutTarget val="inner"/>
+          <c:xMode val="edge"/>
+          <c:yMode val="edge"/>
+          <c:x val="0.16256407843793236"/>
+          <c:y val="4.8011184617611356E-2"/>
+          <c:w val="0.71362470509107767"/>
+          <c:h val="0.73641409630931631"/>
+        </c:manualLayout>
+      </c:layout>
       <c:lineChart>
         <c:grouping val="standard"/>
         <c:varyColors val="0"/>
@@ -7916,36 +7926,6 @@
           </a:p>
         </p:txBody>
       </p:sp>
-      <p:pic>
-        <p:nvPicPr>
-          <p:cNvPr id="9" name="그림 8">
-            <a:extLst>
-              <a:ext uri="{FF2B5EF4-FFF2-40B4-BE49-F238E27FC236}">
-                <a16:creationId xmlns:a16="http://schemas.microsoft.com/office/drawing/2014/main" id="{8F7BC225-753B-4F2E-AC0D-73B3CDCFADF6}"/>
-              </a:ext>
-            </a:extLst>
-          </p:cNvPr>
-          <p:cNvPicPr>
-            <a:picLocks noChangeAspect="1"/>
-          </p:cNvPicPr>
-          <p:nvPr/>
-        </p:nvPicPr>
-        <p:blipFill>
-          <a:blip r:embed="rId2"/>
-          <a:stretch>
-            <a:fillRect/>
-          </a:stretch>
-        </p:blipFill>
-        <p:spPr>
-          <a:xfrm>
-            <a:off x="5127812" y="1459651"/>
-            <a:ext cx="3291866" cy="4286530"/>
-          </a:xfrm>
-          <a:prstGeom prst="rect">
-            <a:avLst/>
-          </a:prstGeom>
-        </p:spPr>
-      </p:pic>
       <p:graphicFrame>
         <p:nvGraphicFramePr>
           <p:cNvPr id="16" name="表 6">
@@ -7961,14 +7941,14 @@
           <p:nvPr>
             <p:extLst>
               <p:ext uri="{D42A27DB-BD31-4B8C-83A1-F6EECF244321}">
-                <p14:modId xmlns:p14="http://schemas.microsoft.com/office/powerpoint/2010/main" val="1480345282"/>
+                <p14:modId xmlns:p14="http://schemas.microsoft.com/office/powerpoint/2010/main" val="821073155"/>
               </p:ext>
             </p:extLst>
           </p:nvPr>
         </p:nvGraphicFramePr>
         <p:xfrm>
           <a:off x="8148489" y="1389529"/>
-          <a:ext cx="3783106" cy="4356652"/>
+          <a:ext cx="3783106" cy="5270856"/>
         </p:xfrm>
         <a:graphic>
           <a:graphicData uri="http://schemas.openxmlformats.org/drawingml/2006/table">
@@ -9568,6 +9548,320 @@
                   </a:ext>
                 </a:extLst>
               </a:tr>
+              <a:tr h="457102">
+                <a:tc>
+                  <a:txBody>
+                    <a:bodyPr/>
+                    <a:lstStyle/>
+                    <a:p>
+                      <a:pPr algn="ctr"/>
+                      <a:r>
+                        <a:rPr kumimoji="1" lang="en-US" altLang="ja-JP" sz="1400" dirty="0"/>
+                        <a:t>10</a:t>
+                      </a:r>
+                      <a:r>
+                        <a:rPr kumimoji="1" lang="ko-KR" altLang="en-US" sz="1400" dirty="0"/>
+                        <a:t>주차</a:t>
+                      </a:r>
+                      <a:r>
+                        <a:rPr kumimoji="1" lang="en-US" altLang="ko-KR" sz="1400" dirty="0"/>
+                        <a:t>( 12/1 ~ 12/7)</a:t>
+                      </a:r>
+                      <a:endParaRPr kumimoji="1" lang="ja-JP" altLang="en-US" sz="1400" dirty="0"/>
+                    </a:p>
+                  </a:txBody>
+                  <a:tcPr anchor="ctr">
+                    <a:lnR w="3175" cap="flat" cmpd="sng" algn="ctr">
+                      <a:solidFill>
+                        <a:schemeClr val="tx1">
+                          <a:lumMod val="60000"/>
+                          <a:lumOff val="40000"/>
+                        </a:schemeClr>
+                      </a:solidFill>
+                      <a:prstDash val="solid"/>
+                      <a:round/>
+                      <a:headEnd type="none" w="med" len="med"/>
+                      <a:tailEnd type="none" w="med" len="med"/>
+                    </a:lnR>
+                    <a:lnT w="3175" cap="flat" cmpd="sng" algn="ctr">
+                      <a:solidFill>
+                        <a:schemeClr val="tx1">
+                          <a:lumMod val="60000"/>
+                          <a:lumOff val="40000"/>
+                        </a:schemeClr>
+                      </a:solidFill>
+                      <a:prstDash val="solid"/>
+                      <a:round/>
+                      <a:headEnd type="none" w="med" len="med"/>
+                      <a:tailEnd type="none" w="med" len="med"/>
+                    </a:lnT>
+                    <a:lnB w="3175" cap="flat" cmpd="sng" algn="ctr">
+                      <a:solidFill>
+                        <a:schemeClr val="tx1">
+                          <a:lumMod val="60000"/>
+                          <a:lumOff val="40000"/>
+                        </a:schemeClr>
+                      </a:solidFill>
+                      <a:prstDash val="solid"/>
+                      <a:round/>
+                      <a:headEnd type="none" w="med" len="med"/>
+                      <a:tailEnd type="none" w="med" len="med"/>
+                    </a:lnB>
+                    <a:solidFill>
+                      <a:schemeClr val="bg1">
+                        <a:lumMod val="95000"/>
+                      </a:schemeClr>
+                    </a:solidFill>
+                  </a:tcPr>
+                </a:tc>
+                <a:tc>
+                  <a:txBody>
+                    <a:bodyPr/>
+                    <a:lstStyle/>
+                    <a:p>
+                      <a:pPr algn="ctr"/>
+                      <a:r>
+                        <a:rPr kumimoji="1" lang="en-US" altLang="ko-KR" sz="1400" dirty="0">
+                          <a:solidFill>
+                            <a:schemeClr val="tx1"/>
+                          </a:solidFill>
+                        </a:rPr>
+                        <a:t>0</a:t>
+                      </a:r>
+                      <a:r>
+                        <a:rPr kumimoji="1" lang="ko-KR" altLang="en-US" sz="1400" dirty="0">
+                          <a:solidFill>
+                            <a:schemeClr val="tx1"/>
+                          </a:solidFill>
+                        </a:rPr>
+                        <a:t>회</a:t>
+                      </a:r>
+                      <a:endParaRPr kumimoji="1" lang="en-US" altLang="ko-KR" sz="1400" dirty="0">
+                        <a:solidFill>
+                          <a:schemeClr val="tx1"/>
+                        </a:solidFill>
+                      </a:endParaRPr>
+                    </a:p>
+                  </a:txBody>
+                  <a:tcPr anchor="ctr">
+                    <a:lnL w="3175" cap="flat" cmpd="sng" algn="ctr">
+                      <a:solidFill>
+                        <a:schemeClr val="tx1">
+                          <a:lumMod val="60000"/>
+                          <a:lumOff val="40000"/>
+                        </a:schemeClr>
+                      </a:solidFill>
+                      <a:prstDash val="solid"/>
+                      <a:round/>
+                      <a:headEnd type="none" w="med" len="med"/>
+                      <a:tailEnd type="none" w="med" len="med"/>
+                    </a:lnL>
+                    <a:lnR w="3175" cap="flat" cmpd="sng" algn="ctr">
+                      <a:solidFill>
+                        <a:schemeClr val="tx1">
+                          <a:lumMod val="60000"/>
+                          <a:lumOff val="40000"/>
+                        </a:schemeClr>
+                      </a:solidFill>
+                      <a:prstDash val="solid"/>
+                      <a:round/>
+                      <a:headEnd type="none" w="med" len="med"/>
+                      <a:tailEnd type="none" w="med" len="med"/>
+                    </a:lnR>
+                    <a:lnT w="3175" cap="flat" cmpd="sng" algn="ctr">
+                      <a:solidFill>
+                        <a:schemeClr val="tx1">
+                          <a:lumMod val="60000"/>
+                          <a:lumOff val="40000"/>
+                        </a:schemeClr>
+                      </a:solidFill>
+                      <a:prstDash val="solid"/>
+                      <a:round/>
+                      <a:headEnd type="none" w="med" len="med"/>
+                      <a:tailEnd type="none" w="med" len="med"/>
+                    </a:lnT>
+                    <a:lnB w="3175" cap="flat" cmpd="sng" algn="ctr">
+                      <a:solidFill>
+                        <a:schemeClr val="tx1">
+                          <a:lumMod val="60000"/>
+                          <a:lumOff val="40000"/>
+                        </a:schemeClr>
+                      </a:solidFill>
+                      <a:prstDash val="solid"/>
+                      <a:round/>
+                      <a:headEnd type="none" w="med" len="med"/>
+                      <a:tailEnd type="none" w="med" len="med"/>
+                    </a:lnB>
+                    <a:solidFill>
+                      <a:schemeClr val="bg1">
+                        <a:lumMod val="95000"/>
+                      </a:schemeClr>
+                    </a:solidFill>
+                  </a:tcPr>
+                </a:tc>
+                <a:extLst>
+                  <a:ext uri="{0D108BD9-81ED-4DB2-BD59-A6C34878D82A}">
+                    <a16:rowId xmlns:a16="http://schemas.microsoft.com/office/drawing/2014/main" val="4105387181"/>
+                  </a:ext>
+                </a:extLst>
+              </a:tr>
+              <a:tr h="457102">
+                <a:tc>
+                  <a:txBody>
+                    <a:bodyPr/>
+                    <a:lstStyle/>
+                    <a:p>
+                      <a:pPr algn="ctr"/>
+                      <a:r>
+                        <a:rPr kumimoji="1" lang="en-US" altLang="ja-JP" sz="1400" dirty="0"/>
+                        <a:t>11</a:t>
+                      </a:r>
+                      <a:r>
+                        <a:rPr kumimoji="1" lang="ko-KR" altLang="en-US" sz="1400" dirty="0"/>
+                        <a:t>주차</a:t>
+                      </a:r>
+                      <a:r>
+                        <a:rPr kumimoji="1" lang="en-US" altLang="ko-KR" sz="1400" dirty="0"/>
+                        <a:t>(12/8 ~ 12/12)</a:t>
+                      </a:r>
+                      <a:endParaRPr kumimoji="1" lang="ja-JP" altLang="en-US" sz="1400" dirty="0"/>
+                    </a:p>
+                  </a:txBody>
+                  <a:tcPr anchor="ctr">
+                    <a:lnR w="3175" cap="flat" cmpd="sng" algn="ctr">
+                      <a:solidFill>
+                        <a:schemeClr val="tx1">
+                          <a:lumMod val="60000"/>
+                          <a:lumOff val="40000"/>
+                        </a:schemeClr>
+                      </a:solidFill>
+                      <a:prstDash val="solid"/>
+                      <a:round/>
+                      <a:headEnd type="none" w="med" len="med"/>
+                      <a:tailEnd type="none" w="med" len="med"/>
+                    </a:lnR>
+                    <a:lnT w="3175" cap="flat" cmpd="sng" algn="ctr">
+                      <a:solidFill>
+                        <a:schemeClr val="tx1">
+                          <a:lumMod val="60000"/>
+                          <a:lumOff val="40000"/>
+                        </a:schemeClr>
+                      </a:solidFill>
+                      <a:prstDash val="solid"/>
+                      <a:round/>
+                      <a:headEnd type="none" w="med" len="med"/>
+                      <a:tailEnd type="none" w="med" len="med"/>
+                    </a:lnT>
+                    <a:lnB w="3175" cap="flat" cmpd="sng" algn="ctr">
+                      <a:solidFill>
+                        <a:schemeClr val="tx1">
+                          <a:lumMod val="60000"/>
+                          <a:lumOff val="40000"/>
+                        </a:schemeClr>
+                      </a:solidFill>
+                      <a:prstDash val="solid"/>
+                      <a:round/>
+                      <a:headEnd type="none" w="med" len="med"/>
+                      <a:tailEnd type="none" w="med" len="med"/>
+                    </a:lnB>
+                    <a:solidFill>
+                      <a:schemeClr val="bg1">
+                        <a:lumMod val="95000"/>
+                      </a:schemeClr>
+                    </a:solidFill>
+                  </a:tcPr>
+                </a:tc>
+                <a:tc>
+                  <a:txBody>
+                    <a:bodyPr/>
+                    <a:lstStyle/>
+                    <a:p>
+                      <a:pPr algn="ctr"/>
+                      <a:r>
+                        <a:rPr kumimoji="1" lang="en-US" altLang="ko-KR" sz="1400" dirty="0">
+                          <a:solidFill>
+                            <a:schemeClr val="tx1"/>
+                          </a:solidFill>
+                        </a:rPr>
+                        <a:t>2</a:t>
+                      </a:r>
+                      <a:r>
+                        <a:rPr kumimoji="1" lang="ko-KR" altLang="en-US" sz="1400" dirty="0">
+                          <a:solidFill>
+                            <a:schemeClr val="tx1"/>
+                          </a:solidFill>
+                        </a:rPr>
+                        <a:t>회</a:t>
+                      </a:r>
+                      <a:endParaRPr kumimoji="1" lang="en-US" altLang="ko-KR" sz="1400" dirty="0">
+                        <a:solidFill>
+                          <a:schemeClr val="tx1"/>
+                        </a:solidFill>
+                      </a:endParaRPr>
+                    </a:p>
+                  </a:txBody>
+                  <a:tcPr anchor="ctr">
+                    <a:lnL w="3175" cap="flat" cmpd="sng" algn="ctr">
+                      <a:solidFill>
+                        <a:schemeClr val="tx1">
+                          <a:lumMod val="60000"/>
+                          <a:lumOff val="40000"/>
+                        </a:schemeClr>
+                      </a:solidFill>
+                      <a:prstDash val="solid"/>
+                      <a:round/>
+                      <a:headEnd type="none" w="med" len="med"/>
+                      <a:tailEnd type="none" w="med" len="med"/>
+                    </a:lnL>
+                    <a:lnR w="3175" cap="flat" cmpd="sng" algn="ctr">
+                      <a:solidFill>
+                        <a:schemeClr val="tx1">
+                          <a:lumMod val="60000"/>
+                          <a:lumOff val="40000"/>
+                        </a:schemeClr>
+                      </a:solidFill>
+                      <a:prstDash val="solid"/>
+                      <a:round/>
+                      <a:headEnd type="none" w="med" len="med"/>
+                      <a:tailEnd type="none" w="med" len="med"/>
+                    </a:lnR>
+                    <a:lnT w="3175" cap="flat" cmpd="sng" algn="ctr">
+                      <a:solidFill>
+                        <a:schemeClr val="tx1">
+                          <a:lumMod val="60000"/>
+                          <a:lumOff val="40000"/>
+                        </a:schemeClr>
+                      </a:solidFill>
+                      <a:prstDash val="solid"/>
+                      <a:round/>
+                      <a:headEnd type="none" w="med" len="med"/>
+                      <a:tailEnd type="none" w="med" len="med"/>
+                    </a:lnT>
+                    <a:lnB w="3175" cap="flat" cmpd="sng" algn="ctr">
+                      <a:solidFill>
+                        <a:schemeClr val="tx1">
+                          <a:lumMod val="60000"/>
+                          <a:lumOff val="40000"/>
+                        </a:schemeClr>
+                      </a:solidFill>
+                      <a:prstDash val="solid"/>
+                      <a:round/>
+                      <a:headEnd type="none" w="med" len="med"/>
+                      <a:tailEnd type="none" w="med" len="med"/>
+                    </a:lnB>
+                    <a:solidFill>
+                      <a:schemeClr val="bg1">
+                        <a:lumMod val="95000"/>
+                      </a:schemeClr>
+                    </a:solidFill>
+                  </a:tcPr>
+                </a:tc>
+                <a:extLst>
+                  <a:ext uri="{0D108BD9-81ED-4DB2-BD59-A6C34878D82A}">
+                    <a16:rowId xmlns:a16="http://schemas.microsoft.com/office/drawing/2014/main" val="3676078098"/>
+                  </a:ext>
+                </a:extLst>
+              </a:tr>
             </a:tbl>
           </a:graphicData>
         </a:graphic>
@@ -9585,27 +9879,57 @@
           <p:nvPr>
             <p:extLst>
               <p:ext uri="{D42A27DB-BD31-4B8C-83A1-F6EECF244321}">
-                <p14:modId xmlns:p14="http://schemas.microsoft.com/office/powerpoint/2010/main" val="2281857669"/>
+                <p14:modId xmlns:p14="http://schemas.microsoft.com/office/powerpoint/2010/main" val="2263245921"/>
               </p:ext>
             </p:extLst>
           </p:nvPr>
         </p:nvGraphicFramePr>
         <p:xfrm>
-          <a:off x="151741" y="1825491"/>
-          <a:ext cx="5074683" cy="3920690"/>
+          <a:off x="151742" y="1389529"/>
+          <a:ext cx="4922282" cy="4356652"/>
         </p:xfrm>
         <a:graphic>
           <a:graphicData uri="http://schemas.openxmlformats.org/drawingml/2006/chart">
-            <c:chart xmlns:c="http://schemas.openxmlformats.org/drawingml/2006/chart" xmlns:r="http://schemas.openxmlformats.org/officeDocument/2006/relationships" r:id="rId3"/>
+            <c:chart xmlns:c="http://schemas.openxmlformats.org/drawingml/2006/chart" xmlns:r="http://schemas.openxmlformats.org/officeDocument/2006/relationships" r:id="rId2"/>
           </a:graphicData>
         </a:graphic>
       </p:graphicFrame>
       <p:pic>
         <p:nvPicPr>
-          <p:cNvPr id="18" name="그림 17">
+          <p:cNvPr id="7" name="그림 6">
             <a:extLst>
               <a:ext uri="{FF2B5EF4-FFF2-40B4-BE49-F238E27FC236}">
-                <a16:creationId xmlns:a16="http://schemas.microsoft.com/office/drawing/2014/main" id="{2448B2CC-EDF9-45A1-83AD-C996C7E1E1B9}"/>
+                <a16:creationId xmlns:a16="http://schemas.microsoft.com/office/drawing/2014/main" id="{41DE8FE1-548E-419E-BF29-4C1CB3AA4C56}"/>
+              </a:ext>
+            </a:extLst>
+          </p:cNvPr>
+          <p:cNvPicPr>
+            <a:picLocks noChangeAspect="1"/>
+          </p:cNvPicPr>
+          <p:nvPr/>
+        </p:nvPicPr>
+        <p:blipFill>
+          <a:blip r:embed="rId3"/>
+          <a:stretch>
+            <a:fillRect/>
+          </a:stretch>
+        </p:blipFill>
+        <p:spPr>
+          <a:xfrm>
+            <a:off x="5518778" y="2286000"/>
+            <a:ext cx="2533902" cy="3063869"/>
+          </a:xfrm>
+          <a:prstGeom prst="rect">
+            <a:avLst/>
+          </a:prstGeom>
+        </p:spPr>
+      </p:pic>
+      <p:pic>
+        <p:nvPicPr>
+          <p:cNvPr id="8" name="그림 7">
+            <a:extLst>
+              <a:ext uri="{FF2B5EF4-FFF2-40B4-BE49-F238E27FC236}">
+                <a16:creationId xmlns:a16="http://schemas.microsoft.com/office/drawing/2014/main" id="{4C60B8C6-28EA-4062-8D6A-3C45180709D7}"/>
               </a:ext>
             </a:extLst>
           </p:cNvPr>
@@ -9622,8 +9946,8 @@
         </p:blipFill>
         <p:spPr>
           <a:xfrm>
-            <a:off x="5127812" y="2268072"/>
-            <a:ext cx="726140" cy="3281082"/>
+            <a:off x="5220558" y="2823882"/>
+            <a:ext cx="405797" cy="2224368"/>
           </a:xfrm>
           <a:prstGeom prst="rect">
             <a:avLst/>
